--- a/tp-dwh-presentación.pptx
+++ b/tp-dwh-presentación.pptx
@@ -7,11 +7,12 @@
   <p:sldIdLst>
     <p:sldId id="256" r:id="rId2"/>
     <p:sldId id="259" r:id="rId3"/>
-    <p:sldId id="258" r:id="rId4"/>
-    <p:sldId id="262" r:id="rId5"/>
-    <p:sldId id="260" r:id="rId6"/>
-    <p:sldId id="261" r:id="rId7"/>
-    <p:sldId id="263" r:id="rId8"/>
+    <p:sldId id="264" r:id="rId4"/>
+    <p:sldId id="258" r:id="rId5"/>
+    <p:sldId id="262" r:id="rId6"/>
+    <p:sldId id="260" r:id="rId7"/>
+    <p:sldId id="261" r:id="rId8"/>
+    <p:sldId id="263" r:id="rId9"/>
   </p:sldIdLst>
   <p:sldSz cx="12192000" cy="6858000"/>
   <p:notesSz cx="6858000" cy="9144000"/>
@@ -110,6 +111,11 @@
       </a:defRPr>
     </a:lvl9pPr>
   </p:defaultTextStyle>
+  <p:extLst>
+    <p:ext uri="{EFAFB233-063F-42B5-8137-9DF3F51BA10A}">
+      <p15:sldGuideLst xmlns:p15="http://schemas.microsoft.com/office/powerpoint/2012/main"/>
+    </p:ext>
+  </p:extLst>
 </p:presentation>
 </file>
 
@@ -3734,6 +3740,66 @@
           <a:chExt cx="0" cy="0"/>
         </a:xfrm>
       </p:grpSpPr>
+      <p:pic>
+        <p:nvPicPr>
+          <p:cNvPr id="4" name="Picture 3" descr="A screenshot of a computer&#10;&#10;AI-generated content may be incorrect.">
+            <a:extLst>
+              <a:ext uri="{FF2B5EF4-FFF2-40B4-BE49-F238E27FC236}">
+                <a16:creationId xmlns:a16="http://schemas.microsoft.com/office/drawing/2014/main" id="{81A69A29-FDF9-5EC3-4067-AC3B9AD5C5C2}"/>
+              </a:ext>
+            </a:extLst>
+          </p:cNvPr>
+          <p:cNvPicPr>
+            <a:picLocks noChangeAspect="1"/>
+          </p:cNvPicPr>
+          <p:nvPr/>
+        </p:nvPicPr>
+        <p:blipFill>
+          <a:blip r:embed="rId2"/>
+          <a:stretch>
+            <a:fillRect/>
+          </a:stretch>
+        </p:blipFill>
+        <p:spPr>
+          <a:xfrm>
+            <a:off x="840080" y="312909"/>
+            <a:ext cx="10511840" cy="6232181"/>
+          </a:xfrm>
+          <a:prstGeom prst="rect">
+            <a:avLst/>
+          </a:prstGeom>
+        </p:spPr>
+      </p:pic>
+    </p:spTree>
+    <p:extLst>
+      <p:ext uri="{BB962C8B-B14F-4D97-AF65-F5344CB8AC3E}">
+        <p14:creationId xmlns:p14="http://schemas.microsoft.com/office/powerpoint/2010/main" val="3817128512"/>
+      </p:ext>
+    </p:extLst>
+  </p:cSld>
+  <p:clrMapOvr>
+    <a:masterClrMapping/>
+  </p:clrMapOvr>
+</p:sld>
+</file>
+
+<file path=ppt/slides/slide4.xml><?xml version="1.0" encoding="utf-8"?>
+<p:sld xmlns:a="http://schemas.openxmlformats.org/drawingml/2006/main" xmlns:r="http://schemas.openxmlformats.org/officeDocument/2006/relationships" xmlns:p="http://schemas.openxmlformats.org/presentationml/2006/main">
+  <p:cSld>
+    <p:spTree>
+      <p:nvGrpSpPr>
+        <p:cNvPr id="1" name=""/>
+        <p:cNvGrpSpPr/>
+        <p:nvPr/>
+      </p:nvGrpSpPr>
+      <p:grpSpPr>
+        <a:xfrm>
+          <a:off x="0" y="0"/>
+          <a:ext cx="0" cy="0"/>
+          <a:chOff x="0" y="0"/>
+          <a:chExt cx="0" cy="0"/>
+        </a:xfrm>
+      </p:grpSpPr>
       <p:sp>
         <p:nvSpPr>
           <p:cNvPr id="2" name="Title 1">
@@ -3819,7 +3885,7 @@
 </p:sld>
 </file>
 
-<file path=ppt/slides/slide4.xml><?xml version="1.0" encoding="utf-8"?>
+<file path=ppt/slides/slide5.xml><?xml version="1.0" encoding="utf-8"?>
 <p:sld xmlns:a="http://schemas.openxmlformats.org/drawingml/2006/main" xmlns:r="http://schemas.openxmlformats.org/officeDocument/2006/relationships" xmlns:p="http://schemas.openxmlformats.org/presentationml/2006/main">
   <p:cSld>
     <p:spTree>
@@ -4037,7 +4103,7 @@
 </p:sld>
 </file>
 
-<file path=ppt/slides/slide5.xml><?xml version="1.0" encoding="utf-8"?>
+<file path=ppt/slides/slide6.xml><?xml version="1.0" encoding="utf-8"?>
 <p:sld xmlns:a="http://schemas.openxmlformats.org/drawingml/2006/main" xmlns:r="http://schemas.openxmlformats.org/officeDocument/2006/relationships" xmlns:p="http://schemas.openxmlformats.org/presentationml/2006/main">
   <p:cSld>
     <p:spTree>
@@ -4267,7 +4333,7 @@
 </p:sld>
 </file>
 
-<file path=ppt/slides/slide6.xml><?xml version="1.0" encoding="utf-8"?>
+<file path=ppt/slides/slide7.xml><?xml version="1.0" encoding="utf-8"?>
 <p:sld xmlns:a="http://schemas.openxmlformats.org/drawingml/2006/main" xmlns:r="http://schemas.openxmlformats.org/officeDocument/2006/relationships" xmlns:p="http://schemas.openxmlformats.org/presentationml/2006/main">
   <p:cSld>
     <p:spTree>
@@ -4397,7 +4463,7 @@
 </p:sld>
 </file>
 
-<file path=ppt/slides/slide7.xml><?xml version="1.0" encoding="utf-8"?>
+<file path=ppt/slides/slide8.xml><?xml version="1.0" encoding="utf-8"?>
 <p:sld xmlns:a="http://schemas.openxmlformats.org/drawingml/2006/main" xmlns:r="http://schemas.openxmlformats.org/officeDocument/2006/relationships" xmlns:p="http://schemas.openxmlformats.org/presentationml/2006/main">
   <p:cSld>
     <p:spTree>
